--- a/ppt 16-9/1189.全家要同心.pptx
+++ b/ppt 16-9/1189.全家要同心.pptx
@@ -5,7 +5,7 @@
     <p:sldMasterId id="2147483648" r:id="rId1"/>
   </p:sldMasterIdLst>
   <p:sldIdLst>
-    <p:sldId id="709" r:id="rId2"/>
+    <p:sldId id="712" r:id="rId2"/>
   </p:sldIdLst>
   <p:sldSz cx="12192000" cy="6858000"/>
   <p:notesSz cx="6858000" cy="9144000"/>
@@ -129,7 +129,7 @@
           <p:cNvPr id="2" name="标题 1">
             <a:extLst>
               <a:ext uri="{FF2B5EF4-FFF2-40B4-BE49-F238E27FC236}">
-                <a16:creationId xmlns:a16="http://schemas.microsoft.com/office/drawing/2014/main" id="{0F7FA451-8C19-6E0D-DE12-A87E5D022E7B}"/>
+                <a16:creationId xmlns:a16="http://schemas.microsoft.com/office/drawing/2014/main" id="{B78D6B0F-3B1B-A175-CB76-F05E1BD2F9D5}"/>
               </a:ext>
             </a:extLst>
           </p:cNvPr>
@@ -166,7 +166,7 @@
           <p:cNvPr id="3" name="副标题 2">
             <a:extLst>
               <a:ext uri="{FF2B5EF4-FFF2-40B4-BE49-F238E27FC236}">
-                <a16:creationId xmlns:a16="http://schemas.microsoft.com/office/drawing/2014/main" id="{7074745E-8168-3E67-D524-CE62FA8302C6}"/>
+                <a16:creationId xmlns:a16="http://schemas.microsoft.com/office/drawing/2014/main" id="{B2EACCE3-12D2-044C-6E3F-35B95BC6021B}"/>
               </a:ext>
             </a:extLst>
           </p:cNvPr>
@@ -236,7 +236,7 @@
           <p:cNvPr id="4" name="日期占位符 3">
             <a:extLst>
               <a:ext uri="{FF2B5EF4-FFF2-40B4-BE49-F238E27FC236}">
-                <a16:creationId xmlns:a16="http://schemas.microsoft.com/office/drawing/2014/main" id="{5E055D59-7194-DF20-4413-752730BE5C98}"/>
+                <a16:creationId xmlns:a16="http://schemas.microsoft.com/office/drawing/2014/main" id="{86EA5A9B-B4E6-E44C-4A7F-9FD66AB6C1CB}"/>
               </a:ext>
             </a:extLst>
           </p:cNvPr>
@@ -252,7 +252,7 @@
           <a:bodyPr/>
           <a:lstStyle/>
           <a:p>
-            <a:fld id="{036C25D2-1F29-4E24-A383-134F92A0216E}" type="datetimeFigureOut">
+            <a:fld id="{5B3BAC58-4B7F-46F7-841B-B5AF33EE29C4}" type="datetimeFigureOut">
               <a:rPr lang="zh-CN" altLang="en-US" smtClean="0"/>
               <a:t>2024/3/10</a:t>
             </a:fld>
@@ -265,7 +265,7 @@
           <p:cNvPr id="5" name="页脚占位符 4">
             <a:extLst>
               <a:ext uri="{FF2B5EF4-FFF2-40B4-BE49-F238E27FC236}">
-                <a16:creationId xmlns:a16="http://schemas.microsoft.com/office/drawing/2014/main" id="{D9941BCF-8409-8E20-5A1B-B76FD3DB064D}"/>
+                <a16:creationId xmlns:a16="http://schemas.microsoft.com/office/drawing/2014/main" id="{9248BF90-D713-EE9C-6E5D-F9CE44F06AA4}"/>
               </a:ext>
             </a:extLst>
           </p:cNvPr>
@@ -290,7 +290,7 @@
           <p:cNvPr id="6" name="灯片编号占位符 5">
             <a:extLst>
               <a:ext uri="{FF2B5EF4-FFF2-40B4-BE49-F238E27FC236}">
-                <a16:creationId xmlns:a16="http://schemas.microsoft.com/office/drawing/2014/main" id="{0D5749C9-C0CA-030F-6DAE-99B4893671DF}"/>
+                <a16:creationId xmlns:a16="http://schemas.microsoft.com/office/drawing/2014/main" id="{708CBA65-2A2A-2BA8-6E6A-A0B4433B14B1}"/>
               </a:ext>
             </a:extLst>
           </p:cNvPr>
@@ -306,7 +306,7 @@
           <a:bodyPr/>
           <a:lstStyle/>
           <a:p>
-            <a:fld id="{968CA614-0AFC-417B-B74E-0D1FABC61EDC}" type="slidenum">
+            <a:fld id="{9D884E56-D5DD-4192-B004-7AFD6406BE84}" type="slidenum">
               <a:rPr lang="zh-CN" altLang="en-US" smtClean="0"/>
               <a:t>‹#›</a:t>
             </a:fld>
@@ -317,7 +317,7 @@
     </p:spTree>
     <p:extLst>
       <p:ext uri="{BB962C8B-B14F-4D97-AF65-F5344CB8AC3E}">
-        <p14:creationId xmlns:p14="http://schemas.microsoft.com/office/powerpoint/2010/main" val="1707942561"/>
+        <p14:creationId xmlns:p14="http://schemas.microsoft.com/office/powerpoint/2010/main" val="2475934160"/>
       </p:ext>
     </p:extLst>
   </p:cSld>
@@ -349,7 +349,7 @@
           <p:cNvPr id="2" name="标题 1">
             <a:extLst>
               <a:ext uri="{FF2B5EF4-FFF2-40B4-BE49-F238E27FC236}">
-                <a16:creationId xmlns:a16="http://schemas.microsoft.com/office/drawing/2014/main" id="{1848B33A-A0CE-B2C6-C850-8B32D8DBC494}"/>
+                <a16:creationId xmlns:a16="http://schemas.microsoft.com/office/drawing/2014/main" id="{247C94BB-4DEF-DA9E-EED6-A719587E3E78}"/>
               </a:ext>
             </a:extLst>
           </p:cNvPr>
@@ -377,7 +377,7 @@
           <p:cNvPr id="3" name="竖排文字占位符 2">
             <a:extLst>
               <a:ext uri="{FF2B5EF4-FFF2-40B4-BE49-F238E27FC236}">
-                <a16:creationId xmlns:a16="http://schemas.microsoft.com/office/drawing/2014/main" id="{3CA2181C-BF6A-A4EF-56B1-892F4AE4A355}"/>
+                <a16:creationId xmlns:a16="http://schemas.microsoft.com/office/drawing/2014/main" id="{FD615B74-0AD1-FCBE-B0B4-A2BC9D83945A}"/>
               </a:ext>
             </a:extLst>
           </p:cNvPr>
@@ -434,7 +434,7 @@
           <p:cNvPr id="4" name="日期占位符 3">
             <a:extLst>
               <a:ext uri="{FF2B5EF4-FFF2-40B4-BE49-F238E27FC236}">
-                <a16:creationId xmlns:a16="http://schemas.microsoft.com/office/drawing/2014/main" id="{B698E0B3-C078-CD9F-F8C3-01B1517B97AF}"/>
+                <a16:creationId xmlns:a16="http://schemas.microsoft.com/office/drawing/2014/main" id="{04F3A534-5D46-FC26-C129-01C1437A36BD}"/>
               </a:ext>
             </a:extLst>
           </p:cNvPr>
@@ -450,7 +450,7 @@
           <a:bodyPr/>
           <a:lstStyle/>
           <a:p>
-            <a:fld id="{036C25D2-1F29-4E24-A383-134F92A0216E}" type="datetimeFigureOut">
+            <a:fld id="{5B3BAC58-4B7F-46F7-841B-B5AF33EE29C4}" type="datetimeFigureOut">
               <a:rPr lang="zh-CN" altLang="en-US" smtClean="0"/>
               <a:t>2024/3/10</a:t>
             </a:fld>
@@ -463,7 +463,7 @@
           <p:cNvPr id="5" name="页脚占位符 4">
             <a:extLst>
               <a:ext uri="{FF2B5EF4-FFF2-40B4-BE49-F238E27FC236}">
-                <a16:creationId xmlns:a16="http://schemas.microsoft.com/office/drawing/2014/main" id="{63FB4A4D-5723-DEC4-D12C-4A178E398CD3}"/>
+                <a16:creationId xmlns:a16="http://schemas.microsoft.com/office/drawing/2014/main" id="{07C20D16-AFDE-78CF-BD9C-8423828E59E6}"/>
               </a:ext>
             </a:extLst>
           </p:cNvPr>
@@ -488,7 +488,7 @@
           <p:cNvPr id="6" name="灯片编号占位符 5">
             <a:extLst>
               <a:ext uri="{FF2B5EF4-FFF2-40B4-BE49-F238E27FC236}">
-                <a16:creationId xmlns:a16="http://schemas.microsoft.com/office/drawing/2014/main" id="{3C725BA3-22FE-4A19-7F47-E59C7ECE1764}"/>
+                <a16:creationId xmlns:a16="http://schemas.microsoft.com/office/drawing/2014/main" id="{55A4862D-1584-3F9D-6676-02CAE4680196}"/>
               </a:ext>
             </a:extLst>
           </p:cNvPr>
@@ -504,7 +504,7 @@
           <a:bodyPr/>
           <a:lstStyle/>
           <a:p>
-            <a:fld id="{968CA614-0AFC-417B-B74E-0D1FABC61EDC}" type="slidenum">
+            <a:fld id="{9D884E56-D5DD-4192-B004-7AFD6406BE84}" type="slidenum">
               <a:rPr lang="zh-CN" altLang="en-US" smtClean="0"/>
               <a:t>‹#›</a:t>
             </a:fld>
@@ -515,7 +515,7 @@
     </p:spTree>
     <p:extLst>
       <p:ext uri="{BB962C8B-B14F-4D97-AF65-F5344CB8AC3E}">
-        <p14:creationId xmlns:p14="http://schemas.microsoft.com/office/powerpoint/2010/main" val="1830416448"/>
+        <p14:creationId xmlns:p14="http://schemas.microsoft.com/office/powerpoint/2010/main" val="1698094435"/>
       </p:ext>
     </p:extLst>
   </p:cSld>
@@ -547,7 +547,7 @@
           <p:cNvPr id="2" name="竖排标题 1">
             <a:extLst>
               <a:ext uri="{FF2B5EF4-FFF2-40B4-BE49-F238E27FC236}">
-                <a16:creationId xmlns:a16="http://schemas.microsoft.com/office/drawing/2014/main" id="{6E65E228-0D7C-15DA-8897-F9589599526B}"/>
+                <a16:creationId xmlns:a16="http://schemas.microsoft.com/office/drawing/2014/main" id="{F0BCF3CF-489F-1DB8-300E-6252D1F2DF3A}"/>
               </a:ext>
             </a:extLst>
           </p:cNvPr>
@@ -580,7 +580,7 @@
           <p:cNvPr id="3" name="竖排文字占位符 2">
             <a:extLst>
               <a:ext uri="{FF2B5EF4-FFF2-40B4-BE49-F238E27FC236}">
-                <a16:creationId xmlns:a16="http://schemas.microsoft.com/office/drawing/2014/main" id="{FEF0F791-DD0B-6A76-35BD-E08813F23F5A}"/>
+                <a16:creationId xmlns:a16="http://schemas.microsoft.com/office/drawing/2014/main" id="{A0FA30D0-991B-C6F4-5C67-9AF146014373}"/>
               </a:ext>
             </a:extLst>
           </p:cNvPr>
@@ -642,7 +642,7 @@
           <p:cNvPr id="4" name="日期占位符 3">
             <a:extLst>
               <a:ext uri="{FF2B5EF4-FFF2-40B4-BE49-F238E27FC236}">
-                <a16:creationId xmlns:a16="http://schemas.microsoft.com/office/drawing/2014/main" id="{03225CEE-6F4E-8CB1-BDD1-A615BAF80C08}"/>
+                <a16:creationId xmlns:a16="http://schemas.microsoft.com/office/drawing/2014/main" id="{64C64B93-BA5F-11E4-92A8-C1C90ECEC6D0}"/>
               </a:ext>
             </a:extLst>
           </p:cNvPr>
@@ -658,7 +658,7 @@
           <a:bodyPr/>
           <a:lstStyle/>
           <a:p>
-            <a:fld id="{036C25D2-1F29-4E24-A383-134F92A0216E}" type="datetimeFigureOut">
+            <a:fld id="{5B3BAC58-4B7F-46F7-841B-B5AF33EE29C4}" type="datetimeFigureOut">
               <a:rPr lang="zh-CN" altLang="en-US" smtClean="0"/>
               <a:t>2024/3/10</a:t>
             </a:fld>
@@ -671,7 +671,7 @@
           <p:cNvPr id="5" name="页脚占位符 4">
             <a:extLst>
               <a:ext uri="{FF2B5EF4-FFF2-40B4-BE49-F238E27FC236}">
-                <a16:creationId xmlns:a16="http://schemas.microsoft.com/office/drawing/2014/main" id="{120B6F2E-C3B2-858C-DF46-ABD6BD7EB049}"/>
+                <a16:creationId xmlns:a16="http://schemas.microsoft.com/office/drawing/2014/main" id="{53EB6911-1479-BFEE-FF37-477540926C64}"/>
               </a:ext>
             </a:extLst>
           </p:cNvPr>
@@ -696,7 +696,7 @@
           <p:cNvPr id="6" name="灯片编号占位符 5">
             <a:extLst>
               <a:ext uri="{FF2B5EF4-FFF2-40B4-BE49-F238E27FC236}">
-                <a16:creationId xmlns:a16="http://schemas.microsoft.com/office/drawing/2014/main" id="{2F24E713-A714-6FD9-880D-D8AC027E7BE8}"/>
+                <a16:creationId xmlns:a16="http://schemas.microsoft.com/office/drawing/2014/main" id="{7EF1FAF1-5A27-AFCA-56BE-B4BAC677137F}"/>
               </a:ext>
             </a:extLst>
           </p:cNvPr>
@@ -712,7 +712,7 @@
           <a:bodyPr/>
           <a:lstStyle/>
           <a:p>
-            <a:fld id="{968CA614-0AFC-417B-B74E-0D1FABC61EDC}" type="slidenum">
+            <a:fld id="{9D884E56-D5DD-4192-B004-7AFD6406BE84}" type="slidenum">
               <a:rPr lang="zh-CN" altLang="en-US" smtClean="0"/>
               <a:t>‹#›</a:t>
             </a:fld>
@@ -723,7 +723,7 @@
     </p:spTree>
     <p:extLst>
       <p:ext uri="{BB962C8B-B14F-4D97-AF65-F5344CB8AC3E}">
-        <p14:creationId xmlns:p14="http://schemas.microsoft.com/office/powerpoint/2010/main" val="3419941488"/>
+        <p14:creationId xmlns:p14="http://schemas.microsoft.com/office/powerpoint/2010/main" val="1571893312"/>
       </p:ext>
     </p:extLst>
   </p:cSld>
@@ -755,7 +755,7 @@
           <p:cNvPr id="2" name="标题 1">
             <a:extLst>
               <a:ext uri="{FF2B5EF4-FFF2-40B4-BE49-F238E27FC236}">
-                <a16:creationId xmlns:a16="http://schemas.microsoft.com/office/drawing/2014/main" id="{E6603BF5-9F99-6F36-D406-1E073F3C8A7D}"/>
+                <a16:creationId xmlns:a16="http://schemas.microsoft.com/office/drawing/2014/main" id="{88B95C90-5EEA-996E-B023-AC4B4B49D129}"/>
               </a:ext>
             </a:extLst>
           </p:cNvPr>
@@ -783,7 +783,7 @@
           <p:cNvPr id="3" name="内容占位符 2">
             <a:extLst>
               <a:ext uri="{FF2B5EF4-FFF2-40B4-BE49-F238E27FC236}">
-                <a16:creationId xmlns:a16="http://schemas.microsoft.com/office/drawing/2014/main" id="{1314775E-C9B2-046C-FF12-D061C0E19F04}"/>
+                <a16:creationId xmlns:a16="http://schemas.microsoft.com/office/drawing/2014/main" id="{F909D72B-8A21-6C3D-8DE4-0A5BA9B21ADB}"/>
               </a:ext>
             </a:extLst>
           </p:cNvPr>
@@ -840,7 +840,7 @@
           <p:cNvPr id="4" name="日期占位符 3">
             <a:extLst>
               <a:ext uri="{FF2B5EF4-FFF2-40B4-BE49-F238E27FC236}">
-                <a16:creationId xmlns:a16="http://schemas.microsoft.com/office/drawing/2014/main" id="{6495A0FF-3BA2-69EE-982D-069B9307FBBB}"/>
+                <a16:creationId xmlns:a16="http://schemas.microsoft.com/office/drawing/2014/main" id="{5E7CFE0C-349E-F1E4-02AD-FE4C7BA10A67}"/>
               </a:ext>
             </a:extLst>
           </p:cNvPr>
@@ -856,7 +856,7 @@
           <a:bodyPr/>
           <a:lstStyle/>
           <a:p>
-            <a:fld id="{036C25D2-1F29-4E24-A383-134F92A0216E}" type="datetimeFigureOut">
+            <a:fld id="{5B3BAC58-4B7F-46F7-841B-B5AF33EE29C4}" type="datetimeFigureOut">
               <a:rPr lang="zh-CN" altLang="en-US" smtClean="0"/>
               <a:t>2024/3/10</a:t>
             </a:fld>
@@ -869,7 +869,7 @@
           <p:cNvPr id="5" name="页脚占位符 4">
             <a:extLst>
               <a:ext uri="{FF2B5EF4-FFF2-40B4-BE49-F238E27FC236}">
-                <a16:creationId xmlns:a16="http://schemas.microsoft.com/office/drawing/2014/main" id="{4D08187B-F073-9D7F-F313-2AA6257142CB}"/>
+                <a16:creationId xmlns:a16="http://schemas.microsoft.com/office/drawing/2014/main" id="{0C489022-48F0-5D14-B80E-141F9EF3F141}"/>
               </a:ext>
             </a:extLst>
           </p:cNvPr>
@@ -894,7 +894,7 @@
           <p:cNvPr id="6" name="灯片编号占位符 5">
             <a:extLst>
               <a:ext uri="{FF2B5EF4-FFF2-40B4-BE49-F238E27FC236}">
-                <a16:creationId xmlns:a16="http://schemas.microsoft.com/office/drawing/2014/main" id="{15616E00-DC00-2DBE-62EC-121FDC36D57F}"/>
+                <a16:creationId xmlns:a16="http://schemas.microsoft.com/office/drawing/2014/main" id="{C9CB00E9-2485-D66A-21D1-59B2E778B6B8}"/>
               </a:ext>
             </a:extLst>
           </p:cNvPr>
@@ -910,7 +910,7 @@
           <a:bodyPr/>
           <a:lstStyle/>
           <a:p>
-            <a:fld id="{968CA614-0AFC-417B-B74E-0D1FABC61EDC}" type="slidenum">
+            <a:fld id="{9D884E56-D5DD-4192-B004-7AFD6406BE84}" type="slidenum">
               <a:rPr lang="zh-CN" altLang="en-US" smtClean="0"/>
               <a:t>‹#›</a:t>
             </a:fld>
@@ -921,7 +921,7 @@
     </p:spTree>
     <p:extLst>
       <p:ext uri="{BB962C8B-B14F-4D97-AF65-F5344CB8AC3E}">
-        <p14:creationId xmlns:p14="http://schemas.microsoft.com/office/powerpoint/2010/main" val="2962925816"/>
+        <p14:creationId xmlns:p14="http://schemas.microsoft.com/office/powerpoint/2010/main" val="1182496091"/>
       </p:ext>
     </p:extLst>
   </p:cSld>
@@ -953,7 +953,7 @@
           <p:cNvPr id="2" name="标题 1">
             <a:extLst>
               <a:ext uri="{FF2B5EF4-FFF2-40B4-BE49-F238E27FC236}">
-                <a16:creationId xmlns:a16="http://schemas.microsoft.com/office/drawing/2014/main" id="{389D856F-1392-FF7A-8FE2-14FB4AC2F9B9}"/>
+                <a16:creationId xmlns:a16="http://schemas.microsoft.com/office/drawing/2014/main" id="{E4BC38E7-E849-8274-D487-84B5CD55EEA1}"/>
               </a:ext>
             </a:extLst>
           </p:cNvPr>
@@ -990,7 +990,7 @@
           <p:cNvPr id="3" name="文本占位符 2">
             <a:extLst>
               <a:ext uri="{FF2B5EF4-FFF2-40B4-BE49-F238E27FC236}">
-                <a16:creationId xmlns:a16="http://schemas.microsoft.com/office/drawing/2014/main" id="{35182C6D-C7C3-A97E-2324-8023210A71BB}"/>
+                <a16:creationId xmlns:a16="http://schemas.microsoft.com/office/drawing/2014/main" id="{334F4CC7-07A9-9851-F6E6-A73C0062150B}"/>
               </a:ext>
             </a:extLst>
           </p:cNvPr>
@@ -1115,7 +1115,7 @@
           <p:cNvPr id="4" name="日期占位符 3">
             <a:extLst>
               <a:ext uri="{FF2B5EF4-FFF2-40B4-BE49-F238E27FC236}">
-                <a16:creationId xmlns:a16="http://schemas.microsoft.com/office/drawing/2014/main" id="{8F939911-9862-65DD-97FB-221797FA6961}"/>
+                <a16:creationId xmlns:a16="http://schemas.microsoft.com/office/drawing/2014/main" id="{3D0C3DA8-3A4F-0704-1FBF-AD02A1026E12}"/>
               </a:ext>
             </a:extLst>
           </p:cNvPr>
@@ -1131,7 +1131,7 @@
           <a:bodyPr/>
           <a:lstStyle/>
           <a:p>
-            <a:fld id="{036C25D2-1F29-4E24-A383-134F92A0216E}" type="datetimeFigureOut">
+            <a:fld id="{5B3BAC58-4B7F-46F7-841B-B5AF33EE29C4}" type="datetimeFigureOut">
               <a:rPr lang="zh-CN" altLang="en-US" smtClean="0"/>
               <a:t>2024/3/10</a:t>
             </a:fld>
@@ -1144,7 +1144,7 @@
           <p:cNvPr id="5" name="页脚占位符 4">
             <a:extLst>
               <a:ext uri="{FF2B5EF4-FFF2-40B4-BE49-F238E27FC236}">
-                <a16:creationId xmlns:a16="http://schemas.microsoft.com/office/drawing/2014/main" id="{2BF30F4D-1AF1-E9C0-26E0-303A49C7EF6C}"/>
+                <a16:creationId xmlns:a16="http://schemas.microsoft.com/office/drawing/2014/main" id="{7F2A53BC-30ED-4270-C1EF-103FA91DC212}"/>
               </a:ext>
             </a:extLst>
           </p:cNvPr>
@@ -1169,7 +1169,7 @@
           <p:cNvPr id="6" name="灯片编号占位符 5">
             <a:extLst>
               <a:ext uri="{FF2B5EF4-FFF2-40B4-BE49-F238E27FC236}">
-                <a16:creationId xmlns:a16="http://schemas.microsoft.com/office/drawing/2014/main" id="{385C5612-F626-049C-0BD0-829820F6EC1A}"/>
+                <a16:creationId xmlns:a16="http://schemas.microsoft.com/office/drawing/2014/main" id="{9F80723B-ABCB-72A8-D0AB-02C229CCE0C3}"/>
               </a:ext>
             </a:extLst>
           </p:cNvPr>
@@ -1185,7 +1185,7 @@
           <a:bodyPr/>
           <a:lstStyle/>
           <a:p>
-            <a:fld id="{968CA614-0AFC-417B-B74E-0D1FABC61EDC}" type="slidenum">
+            <a:fld id="{9D884E56-D5DD-4192-B004-7AFD6406BE84}" type="slidenum">
               <a:rPr lang="zh-CN" altLang="en-US" smtClean="0"/>
               <a:t>‹#›</a:t>
             </a:fld>
@@ -1196,7 +1196,7 @@
     </p:spTree>
     <p:extLst>
       <p:ext uri="{BB962C8B-B14F-4D97-AF65-F5344CB8AC3E}">
-        <p14:creationId xmlns:p14="http://schemas.microsoft.com/office/powerpoint/2010/main" val="2124042588"/>
+        <p14:creationId xmlns:p14="http://schemas.microsoft.com/office/powerpoint/2010/main" val="3609656786"/>
       </p:ext>
     </p:extLst>
   </p:cSld>
@@ -1228,7 +1228,7 @@
           <p:cNvPr id="2" name="标题 1">
             <a:extLst>
               <a:ext uri="{FF2B5EF4-FFF2-40B4-BE49-F238E27FC236}">
-                <a16:creationId xmlns:a16="http://schemas.microsoft.com/office/drawing/2014/main" id="{D4C96612-2080-E7D7-93AC-20E7CBBFE26A}"/>
+                <a16:creationId xmlns:a16="http://schemas.microsoft.com/office/drawing/2014/main" id="{438D66F6-CD95-5DD7-8748-783C518E1476}"/>
               </a:ext>
             </a:extLst>
           </p:cNvPr>
@@ -1256,7 +1256,7 @@
           <p:cNvPr id="3" name="内容占位符 2">
             <a:extLst>
               <a:ext uri="{FF2B5EF4-FFF2-40B4-BE49-F238E27FC236}">
-                <a16:creationId xmlns:a16="http://schemas.microsoft.com/office/drawing/2014/main" id="{A2E1D9AA-C56E-0EBD-EEC8-C230D655575F}"/>
+                <a16:creationId xmlns:a16="http://schemas.microsoft.com/office/drawing/2014/main" id="{A48CCCD1-E2A8-2854-A198-1E7E5F0D6F17}"/>
               </a:ext>
             </a:extLst>
           </p:cNvPr>
@@ -1318,7 +1318,7 @@
           <p:cNvPr id="4" name="内容占位符 3">
             <a:extLst>
               <a:ext uri="{FF2B5EF4-FFF2-40B4-BE49-F238E27FC236}">
-                <a16:creationId xmlns:a16="http://schemas.microsoft.com/office/drawing/2014/main" id="{642713B3-D66C-540D-E4B5-FB7E3BEFD787}"/>
+                <a16:creationId xmlns:a16="http://schemas.microsoft.com/office/drawing/2014/main" id="{5BE2F232-55EE-3631-F2FD-E3D64059D63F}"/>
               </a:ext>
             </a:extLst>
           </p:cNvPr>
@@ -1380,7 +1380,7 @@
           <p:cNvPr id="5" name="日期占位符 4">
             <a:extLst>
               <a:ext uri="{FF2B5EF4-FFF2-40B4-BE49-F238E27FC236}">
-                <a16:creationId xmlns:a16="http://schemas.microsoft.com/office/drawing/2014/main" id="{AF26FE03-30AF-DD61-1B39-39CA14915B84}"/>
+                <a16:creationId xmlns:a16="http://schemas.microsoft.com/office/drawing/2014/main" id="{F8EB2ECA-45BE-D55F-FB0D-E327C824916D}"/>
               </a:ext>
             </a:extLst>
           </p:cNvPr>
@@ -1396,7 +1396,7 @@
           <a:bodyPr/>
           <a:lstStyle/>
           <a:p>
-            <a:fld id="{036C25D2-1F29-4E24-A383-134F92A0216E}" type="datetimeFigureOut">
+            <a:fld id="{5B3BAC58-4B7F-46F7-841B-B5AF33EE29C4}" type="datetimeFigureOut">
               <a:rPr lang="zh-CN" altLang="en-US" smtClean="0"/>
               <a:t>2024/3/10</a:t>
             </a:fld>
@@ -1409,7 +1409,7 @@
           <p:cNvPr id="6" name="页脚占位符 5">
             <a:extLst>
               <a:ext uri="{FF2B5EF4-FFF2-40B4-BE49-F238E27FC236}">
-                <a16:creationId xmlns:a16="http://schemas.microsoft.com/office/drawing/2014/main" id="{38DE1E57-00C3-EBAA-42BA-D68D2CA3ACB6}"/>
+                <a16:creationId xmlns:a16="http://schemas.microsoft.com/office/drawing/2014/main" id="{EE6F25CE-735A-5457-6753-254ED61CDDE8}"/>
               </a:ext>
             </a:extLst>
           </p:cNvPr>
@@ -1434,7 +1434,7 @@
           <p:cNvPr id="7" name="灯片编号占位符 6">
             <a:extLst>
               <a:ext uri="{FF2B5EF4-FFF2-40B4-BE49-F238E27FC236}">
-                <a16:creationId xmlns:a16="http://schemas.microsoft.com/office/drawing/2014/main" id="{2BA66EF0-421D-4183-E7B7-01BABBDEEC66}"/>
+                <a16:creationId xmlns:a16="http://schemas.microsoft.com/office/drawing/2014/main" id="{46157BD8-2E75-B86A-D20D-729573E2FD99}"/>
               </a:ext>
             </a:extLst>
           </p:cNvPr>
@@ -1450,7 +1450,7 @@
           <a:bodyPr/>
           <a:lstStyle/>
           <a:p>
-            <a:fld id="{968CA614-0AFC-417B-B74E-0D1FABC61EDC}" type="slidenum">
+            <a:fld id="{9D884E56-D5DD-4192-B004-7AFD6406BE84}" type="slidenum">
               <a:rPr lang="zh-CN" altLang="en-US" smtClean="0"/>
               <a:t>‹#›</a:t>
             </a:fld>
@@ -1461,7 +1461,7 @@
     </p:spTree>
     <p:extLst>
       <p:ext uri="{BB962C8B-B14F-4D97-AF65-F5344CB8AC3E}">
-        <p14:creationId xmlns:p14="http://schemas.microsoft.com/office/powerpoint/2010/main" val="3512722600"/>
+        <p14:creationId xmlns:p14="http://schemas.microsoft.com/office/powerpoint/2010/main" val="2394210719"/>
       </p:ext>
     </p:extLst>
   </p:cSld>
@@ -1493,7 +1493,7 @@
           <p:cNvPr id="2" name="标题 1">
             <a:extLst>
               <a:ext uri="{FF2B5EF4-FFF2-40B4-BE49-F238E27FC236}">
-                <a16:creationId xmlns:a16="http://schemas.microsoft.com/office/drawing/2014/main" id="{F194E11A-58C3-EC80-7AE5-FE5AB0330FA5}"/>
+                <a16:creationId xmlns:a16="http://schemas.microsoft.com/office/drawing/2014/main" id="{ED14A429-BCD5-127B-7A52-C9C4E097C49D}"/>
               </a:ext>
             </a:extLst>
           </p:cNvPr>
@@ -1526,7 +1526,7 @@
           <p:cNvPr id="3" name="文本占位符 2">
             <a:extLst>
               <a:ext uri="{FF2B5EF4-FFF2-40B4-BE49-F238E27FC236}">
-                <a16:creationId xmlns:a16="http://schemas.microsoft.com/office/drawing/2014/main" id="{A1C183E1-943F-5BF1-9B8A-36E391ACFD28}"/>
+                <a16:creationId xmlns:a16="http://schemas.microsoft.com/office/drawing/2014/main" id="{7082A106-CFE0-2CA1-F642-3247D05A2EB8}"/>
               </a:ext>
             </a:extLst>
           </p:cNvPr>
@@ -1597,7 +1597,7 @@
           <p:cNvPr id="4" name="内容占位符 3">
             <a:extLst>
               <a:ext uri="{FF2B5EF4-FFF2-40B4-BE49-F238E27FC236}">
-                <a16:creationId xmlns:a16="http://schemas.microsoft.com/office/drawing/2014/main" id="{E8DDDFDE-967D-9942-7955-BFD24974DC48}"/>
+                <a16:creationId xmlns:a16="http://schemas.microsoft.com/office/drawing/2014/main" id="{70E4023F-EE7A-C5D8-0932-5AC975E4AB8D}"/>
               </a:ext>
             </a:extLst>
           </p:cNvPr>
@@ -1659,7 +1659,7 @@
           <p:cNvPr id="5" name="文本占位符 4">
             <a:extLst>
               <a:ext uri="{FF2B5EF4-FFF2-40B4-BE49-F238E27FC236}">
-                <a16:creationId xmlns:a16="http://schemas.microsoft.com/office/drawing/2014/main" id="{A568FA6D-5DE2-CA9D-9D13-01CA0ED77517}"/>
+                <a16:creationId xmlns:a16="http://schemas.microsoft.com/office/drawing/2014/main" id="{72B80DDA-C3B5-6540-2A3C-7CC1E218BED5}"/>
               </a:ext>
             </a:extLst>
           </p:cNvPr>
@@ -1730,7 +1730,7 @@
           <p:cNvPr id="6" name="内容占位符 5">
             <a:extLst>
               <a:ext uri="{FF2B5EF4-FFF2-40B4-BE49-F238E27FC236}">
-                <a16:creationId xmlns:a16="http://schemas.microsoft.com/office/drawing/2014/main" id="{8DF81E4F-971B-BEA1-47ED-48A26610A1CC}"/>
+                <a16:creationId xmlns:a16="http://schemas.microsoft.com/office/drawing/2014/main" id="{EC9749A6-BA95-9199-0802-F47D6DC55B61}"/>
               </a:ext>
             </a:extLst>
           </p:cNvPr>
@@ -1792,7 +1792,7 @@
           <p:cNvPr id="7" name="日期占位符 6">
             <a:extLst>
               <a:ext uri="{FF2B5EF4-FFF2-40B4-BE49-F238E27FC236}">
-                <a16:creationId xmlns:a16="http://schemas.microsoft.com/office/drawing/2014/main" id="{A8BA6BF6-E2D2-9F00-D609-A8B458DB9A1E}"/>
+                <a16:creationId xmlns:a16="http://schemas.microsoft.com/office/drawing/2014/main" id="{729858DB-1C49-FA6F-0E64-185D60A8B2AE}"/>
               </a:ext>
             </a:extLst>
           </p:cNvPr>
@@ -1808,7 +1808,7 @@
           <a:bodyPr/>
           <a:lstStyle/>
           <a:p>
-            <a:fld id="{036C25D2-1F29-4E24-A383-134F92A0216E}" type="datetimeFigureOut">
+            <a:fld id="{5B3BAC58-4B7F-46F7-841B-B5AF33EE29C4}" type="datetimeFigureOut">
               <a:rPr lang="zh-CN" altLang="en-US" smtClean="0"/>
               <a:t>2024/3/10</a:t>
             </a:fld>
@@ -1821,7 +1821,7 @@
           <p:cNvPr id="8" name="页脚占位符 7">
             <a:extLst>
               <a:ext uri="{FF2B5EF4-FFF2-40B4-BE49-F238E27FC236}">
-                <a16:creationId xmlns:a16="http://schemas.microsoft.com/office/drawing/2014/main" id="{031907BA-B5DA-3AD2-5886-F7A88211B19B}"/>
+                <a16:creationId xmlns:a16="http://schemas.microsoft.com/office/drawing/2014/main" id="{3EDA9D39-F1B7-29C4-9CA9-8E24775FCA1A}"/>
               </a:ext>
             </a:extLst>
           </p:cNvPr>
@@ -1846,7 +1846,7 @@
           <p:cNvPr id="9" name="灯片编号占位符 8">
             <a:extLst>
               <a:ext uri="{FF2B5EF4-FFF2-40B4-BE49-F238E27FC236}">
-                <a16:creationId xmlns:a16="http://schemas.microsoft.com/office/drawing/2014/main" id="{B214DB81-C1FA-A55C-87D9-D8FFCE08FBD3}"/>
+                <a16:creationId xmlns:a16="http://schemas.microsoft.com/office/drawing/2014/main" id="{0BC49D9C-1B77-BFE3-267D-17986C2F31FA}"/>
               </a:ext>
             </a:extLst>
           </p:cNvPr>
@@ -1862,7 +1862,7 @@
           <a:bodyPr/>
           <a:lstStyle/>
           <a:p>
-            <a:fld id="{968CA614-0AFC-417B-B74E-0D1FABC61EDC}" type="slidenum">
+            <a:fld id="{9D884E56-D5DD-4192-B004-7AFD6406BE84}" type="slidenum">
               <a:rPr lang="zh-CN" altLang="en-US" smtClean="0"/>
               <a:t>‹#›</a:t>
             </a:fld>
@@ -1873,7 +1873,7 @@
     </p:spTree>
     <p:extLst>
       <p:ext uri="{BB962C8B-B14F-4D97-AF65-F5344CB8AC3E}">
-        <p14:creationId xmlns:p14="http://schemas.microsoft.com/office/powerpoint/2010/main" val="2776234675"/>
+        <p14:creationId xmlns:p14="http://schemas.microsoft.com/office/powerpoint/2010/main" val="3940172088"/>
       </p:ext>
     </p:extLst>
   </p:cSld>
@@ -1905,7 +1905,7 @@
           <p:cNvPr id="2" name="标题 1">
             <a:extLst>
               <a:ext uri="{FF2B5EF4-FFF2-40B4-BE49-F238E27FC236}">
-                <a16:creationId xmlns:a16="http://schemas.microsoft.com/office/drawing/2014/main" id="{DFE99982-8F77-A0C7-3F81-EBEB7EF7ADDF}"/>
+                <a16:creationId xmlns:a16="http://schemas.microsoft.com/office/drawing/2014/main" id="{ED3F0470-9E37-085E-92B0-72BF8BA5326B}"/>
               </a:ext>
             </a:extLst>
           </p:cNvPr>
@@ -1933,7 +1933,7 @@
           <p:cNvPr id="3" name="日期占位符 2">
             <a:extLst>
               <a:ext uri="{FF2B5EF4-FFF2-40B4-BE49-F238E27FC236}">
-                <a16:creationId xmlns:a16="http://schemas.microsoft.com/office/drawing/2014/main" id="{E5FAE1C9-6628-FF43-CC2D-7313E2D6D4D3}"/>
+                <a16:creationId xmlns:a16="http://schemas.microsoft.com/office/drawing/2014/main" id="{BE8AB1C6-235A-B8B4-8042-4D572CC8739B}"/>
               </a:ext>
             </a:extLst>
           </p:cNvPr>
@@ -1949,7 +1949,7 @@
           <a:bodyPr/>
           <a:lstStyle/>
           <a:p>
-            <a:fld id="{036C25D2-1F29-4E24-A383-134F92A0216E}" type="datetimeFigureOut">
+            <a:fld id="{5B3BAC58-4B7F-46F7-841B-B5AF33EE29C4}" type="datetimeFigureOut">
               <a:rPr lang="zh-CN" altLang="en-US" smtClean="0"/>
               <a:t>2024/3/10</a:t>
             </a:fld>
@@ -1962,7 +1962,7 @@
           <p:cNvPr id="4" name="页脚占位符 3">
             <a:extLst>
               <a:ext uri="{FF2B5EF4-FFF2-40B4-BE49-F238E27FC236}">
-                <a16:creationId xmlns:a16="http://schemas.microsoft.com/office/drawing/2014/main" id="{2ED4C925-209C-EE09-3D46-476C425D03F5}"/>
+                <a16:creationId xmlns:a16="http://schemas.microsoft.com/office/drawing/2014/main" id="{A484F250-7C32-F4D3-448B-19C3C3005426}"/>
               </a:ext>
             </a:extLst>
           </p:cNvPr>
@@ -1987,7 +1987,7 @@
           <p:cNvPr id="5" name="灯片编号占位符 4">
             <a:extLst>
               <a:ext uri="{FF2B5EF4-FFF2-40B4-BE49-F238E27FC236}">
-                <a16:creationId xmlns:a16="http://schemas.microsoft.com/office/drawing/2014/main" id="{08E76B4F-B1BA-EA9F-D074-705CF520952D}"/>
+                <a16:creationId xmlns:a16="http://schemas.microsoft.com/office/drawing/2014/main" id="{E31E08F7-0D87-80A1-F50B-AE275E72C72B}"/>
               </a:ext>
             </a:extLst>
           </p:cNvPr>
@@ -2003,7 +2003,7 @@
           <a:bodyPr/>
           <a:lstStyle/>
           <a:p>
-            <a:fld id="{968CA614-0AFC-417B-B74E-0D1FABC61EDC}" type="slidenum">
+            <a:fld id="{9D884E56-D5DD-4192-B004-7AFD6406BE84}" type="slidenum">
               <a:rPr lang="zh-CN" altLang="en-US" smtClean="0"/>
               <a:t>‹#›</a:t>
             </a:fld>
@@ -2014,7 +2014,7 @@
     </p:spTree>
     <p:extLst>
       <p:ext uri="{BB962C8B-B14F-4D97-AF65-F5344CB8AC3E}">
-        <p14:creationId xmlns:p14="http://schemas.microsoft.com/office/powerpoint/2010/main" val="415165958"/>
+        <p14:creationId xmlns:p14="http://schemas.microsoft.com/office/powerpoint/2010/main" val="3455226145"/>
       </p:ext>
     </p:extLst>
   </p:cSld>
@@ -2046,7 +2046,7 @@
           <p:cNvPr id="2" name="日期占位符 1">
             <a:extLst>
               <a:ext uri="{FF2B5EF4-FFF2-40B4-BE49-F238E27FC236}">
-                <a16:creationId xmlns:a16="http://schemas.microsoft.com/office/drawing/2014/main" id="{8540E3C1-93F2-B3F7-E483-7FD77759D9E7}"/>
+                <a16:creationId xmlns:a16="http://schemas.microsoft.com/office/drawing/2014/main" id="{680A7DFC-D7BB-A123-D95D-14F1649F6A20}"/>
               </a:ext>
             </a:extLst>
           </p:cNvPr>
@@ -2062,7 +2062,7 @@
           <a:bodyPr/>
           <a:lstStyle/>
           <a:p>
-            <a:fld id="{036C25D2-1F29-4E24-A383-134F92A0216E}" type="datetimeFigureOut">
+            <a:fld id="{5B3BAC58-4B7F-46F7-841B-B5AF33EE29C4}" type="datetimeFigureOut">
               <a:rPr lang="zh-CN" altLang="en-US" smtClean="0"/>
               <a:t>2024/3/10</a:t>
             </a:fld>
@@ -2075,7 +2075,7 @@
           <p:cNvPr id="3" name="页脚占位符 2">
             <a:extLst>
               <a:ext uri="{FF2B5EF4-FFF2-40B4-BE49-F238E27FC236}">
-                <a16:creationId xmlns:a16="http://schemas.microsoft.com/office/drawing/2014/main" id="{FD1B5BC0-32CC-9466-52E7-5B11490BA63F}"/>
+                <a16:creationId xmlns:a16="http://schemas.microsoft.com/office/drawing/2014/main" id="{0AB996BC-715B-599D-01E5-E8A591A6ADFE}"/>
               </a:ext>
             </a:extLst>
           </p:cNvPr>
@@ -2100,7 +2100,7 @@
           <p:cNvPr id="4" name="灯片编号占位符 3">
             <a:extLst>
               <a:ext uri="{FF2B5EF4-FFF2-40B4-BE49-F238E27FC236}">
-                <a16:creationId xmlns:a16="http://schemas.microsoft.com/office/drawing/2014/main" id="{0CECEB18-B682-1E2F-EC64-68917108FB45}"/>
+                <a16:creationId xmlns:a16="http://schemas.microsoft.com/office/drawing/2014/main" id="{8F146B7C-0BAD-7101-CAAE-D85745F4D20A}"/>
               </a:ext>
             </a:extLst>
           </p:cNvPr>
@@ -2116,7 +2116,7 @@
           <a:bodyPr/>
           <a:lstStyle/>
           <a:p>
-            <a:fld id="{968CA614-0AFC-417B-B74E-0D1FABC61EDC}" type="slidenum">
+            <a:fld id="{9D884E56-D5DD-4192-B004-7AFD6406BE84}" type="slidenum">
               <a:rPr lang="zh-CN" altLang="en-US" smtClean="0"/>
               <a:t>‹#›</a:t>
             </a:fld>
@@ -2127,7 +2127,7 @@
     </p:spTree>
     <p:extLst>
       <p:ext uri="{BB962C8B-B14F-4D97-AF65-F5344CB8AC3E}">
-        <p14:creationId xmlns:p14="http://schemas.microsoft.com/office/powerpoint/2010/main" val="43864744"/>
+        <p14:creationId xmlns:p14="http://schemas.microsoft.com/office/powerpoint/2010/main" val="454490080"/>
       </p:ext>
     </p:extLst>
   </p:cSld>
@@ -2159,7 +2159,7 @@
           <p:cNvPr id="2" name="标题 1">
             <a:extLst>
               <a:ext uri="{FF2B5EF4-FFF2-40B4-BE49-F238E27FC236}">
-                <a16:creationId xmlns:a16="http://schemas.microsoft.com/office/drawing/2014/main" id="{841FE517-A1BF-320E-2703-F4CCAA7F3725}"/>
+                <a16:creationId xmlns:a16="http://schemas.microsoft.com/office/drawing/2014/main" id="{6852030F-78C6-6726-A5BE-FAB4D305DF9C}"/>
               </a:ext>
             </a:extLst>
           </p:cNvPr>
@@ -2196,7 +2196,7 @@
           <p:cNvPr id="3" name="内容占位符 2">
             <a:extLst>
               <a:ext uri="{FF2B5EF4-FFF2-40B4-BE49-F238E27FC236}">
-                <a16:creationId xmlns:a16="http://schemas.microsoft.com/office/drawing/2014/main" id="{7AFF9B27-8156-6250-7B6E-AD497014923D}"/>
+                <a16:creationId xmlns:a16="http://schemas.microsoft.com/office/drawing/2014/main" id="{5BCB77AB-7F0E-1B63-3FAD-82CA067E77CA}"/>
               </a:ext>
             </a:extLst>
           </p:cNvPr>
@@ -2286,7 +2286,7 @@
           <p:cNvPr id="4" name="文本占位符 3">
             <a:extLst>
               <a:ext uri="{FF2B5EF4-FFF2-40B4-BE49-F238E27FC236}">
-                <a16:creationId xmlns:a16="http://schemas.microsoft.com/office/drawing/2014/main" id="{25CDABD7-107B-81F2-8EC8-E27964F54053}"/>
+                <a16:creationId xmlns:a16="http://schemas.microsoft.com/office/drawing/2014/main" id="{3A9BE2D2-BDB0-361A-F589-862DC5E46EC6}"/>
               </a:ext>
             </a:extLst>
           </p:cNvPr>
@@ -2357,7 +2357,7 @@
           <p:cNvPr id="5" name="日期占位符 4">
             <a:extLst>
               <a:ext uri="{FF2B5EF4-FFF2-40B4-BE49-F238E27FC236}">
-                <a16:creationId xmlns:a16="http://schemas.microsoft.com/office/drawing/2014/main" id="{DC97E87D-5988-C03B-E1DF-24825D406838}"/>
+                <a16:creationId xmlns:a16="http://schemas.microsoft.com/office/drawing/2014/main" id="{0527C207-7EAE-85D6-8388-081AFE18AB3E}"/>
               </a:ext>
             </a:extLst>
           </p:cNvPr>
@@ -2373,7 +2373,7 @@
           <a:bodyPr/>
           <a:lstStyle/>
           <a:p>
-            <a:fld id="{036C25D2-1F29-4E24-A383-134F92A0216E}" type="datetimeFigureOut">
+            <a:fld id="{5B3BAC58-4B7F-46F7-841B-B5AF33EE29C4}" type="datetimeFigureOut">
               <a:rPr lang="zh-CN" altLang="en-US" smtClean="0"/>
               <a:t>2024/3/10</a:t>
             </a:fld>
@@ -2386,7 +2386,7 @@
           <p:cNvPr id="6" name="页脚占位符 5">
             <a:extLst>
               <a:ext uri="{FF2B5EF4-FFF2-40B4-BE49-F238E27FC236}">
-                <a16:creationId xmlns:a16="http://schemas.microsoft.com/office/drawing/2014/main" id="{45283A0F-0FD5-A7A9-5A6E-924441C78B33}"/>
+                <a16:creationId xmlns:a16="http://schemas.microsoft.com/office/drawing/2014/main" id="{94E02A16-6DE3-314E-0D8E-02A8A65ADB1F}"/>
               </a:ext>
             </a:extLst>
           </p:cNvPr>
@@ -2411,7 +2411,7 @@
           <p:cNvPr id="7" name="灯片编号占位符 6">
             <a:extLst>
               <a:ext uri="{FF2B5EF4-FFF2-40B4-BE49-F238E27FC236}">
-                <a16:creationId xmlns:a16="http://schemas.microsoft.com/office/drawing/2014/main" id="{32108B91-2166-8A8C-5F47-B8373A09BF3D}"/>
+                <a16:creationId xmlns:a16="http://schemas.microsoft.com/office/drawing/2014/main" id="{773C5F2B-9A76-EDCD-9EF7-B41CB6A883EE}"/>
               </a:ext>
             </a:extLst>
           </p:cNvPr>
@@ -2427,7 +2427,7 @@
           <a:bodyPr/>
           <a:lstStyle/>
           <a:p>
-            <a:fld id="{968CA614-0AFC-417B-B74E-0D1FABC61EDC}" type="slidenum">
+            <a:fld id="{9D884E56-D5DD-4192-B004-7AFD6406BE84}" type="slidenum">
               <a:rPr lang="zh-CN" altLang="en-US" smtClean="0"/>
               <a:t>‹#›</a:t>
             </a:fld>
@@ -2438,7 +2438,7 @@
     </p:spTree>
     <p:extLst>
       <p:ext uri="{BB962C8B-B14F-4D97-AF65-F5344CB8AC3E}">
-        <p14:creationId xmlns:p14="http://schemas.microsoft.com/office/powerpoint/2010/main" val="3751485402"/>
+        <p14:creationId xmlns:p14="http://schemas.microsoft.com/office/powerpoint/2010/main" val="2469713980"/>
       </p:ext>
     </p:extLst>
   </p:cSld>
@@ -2470,7 +2470,7 @@
           <p:cNvPr id="2" name="标题 1">
             <a:extLst>
               <a:ext uri="{FF2B5EF4-FFF2-40B4-BE49-F238E27FC236}">
-                <a16:creationId xmlns:a16="http://schemas.microsoft.com/office/drawing/2014/main" id="{D7F7D977-19A9-AC55-F41D-AEA7CD5977CD}"/>
+                <a16:creationId xmlns:a16="http://schemas.microsoft.com/office/drawing/2014/main" id="{E41B2927-A219-3FA7-91B6-553B423B598D}"/>
               </a:ext>
             </a:extLst>
           </p:cNvPr>
@@ -2507,7 +2507,7 @@
           <p:cNvPr id="3" name="图片占位符 2">
             <a:extLst>
               <a:ext uri="{FF2B5EF4-FFF2-40B4-BE49-F238E27FC236}">
-                <a16:creationId xmlns:a16="http://schemas.microsoft.com/office/drawing/2014/main" id="{4DD75479-4F47-1D9D-F929-C95A473391E9}"/>
+                <a16:creationId xmlns:a16="http://schemas.microsoft.com/office/drawing/2014/main" id="{362C40CF-3BC3-C95A-FDDA-B1E705FD96B7}"/>
               </a:ext>
             </a:extLst>
           </p:cNvPr>
@@ -2574,7 +2574,7 @@
           <p:cNvPr id="4" name="文本占位符 3">
             <a:extLst>
               <a:ext uri="{FF2B5EF4-FFF2-40B4-BE49-F238E27FC236}">
-                <a16:creationId xmlns:a16="http://schemas.microsoft.com/office/drawing/2014/main" id="{A4F88AD5-7FBE-F5A9-1044-3784C3332222}"/>
+                <a16:creationId xmlns:a16="http://schemas.microsoft.com/office/drawing/2014/main" id="{FA840262-DEDB-64B7-4F42-4C794969CCC9}"/>
               </a:ext>
             </a:extLst>
           </p:cNvPr>
@@ -2645,7 +2645,7 @@
           <p:cNvPr id="5" name="日期占位符 4">
             <a:extLst>
               <a:ext uri="{FF2B5EF4-FFF2-40B4-BE49-F238E27FC236}">
-                <a16:creationId xmlns:a16="http://schemas.microsoft.com/office/drawing/2014/main" id="{4D35E1C0-2FD2-73F1-07A2-0B51EC90BC67}"/>
+                <a16:creationId xmlns:a16="http://schemas.microsoft.com/office/drawing/2014/main" id="{65E6CF85-C60E-696B-AF62-CA0344763F14}"/>
               </a:ext>
             </a:extLst>
           </p:cNvPr>
@@ -2661,7 +2661,7 @@
           <a:bodyPr/>
           <a:lstStyle/>
           <a:p>
-            <a:fld id="{036C25D2-1F29-4E24-A383-134F92A0216E}" type="datetimeFigureOut">
+            <a:fld id="{5B3BAC58-4B7F-46F7-841B-B5AF33EE29C4}" type="datetimeFigureOut">
               <a:rPr lang="zh-CN" altLang="en-US" smtClean="0"/>
               <a:t>2024/3/10</a:t>
             </a:fld>
@@ -2674,7 +2674,7 @@
           <p:cNvPr id="6" name="页脚占位符 5">
             <a:extLst>
               <a:ext uri="{FF2B5EF4-FFF2-40B4-BE49-F238E27FC236}">
-                <a16:creationId xmlns:a16="http://schemas.microsoft.com/office/drawing/2014/main" id="{691F55FE-1DBB-6E32-37DF-1D6E597AE8B1}"/>
+                <a16:creationId xmlns:a16="http://schemas.microsoft.com/office/drawing/2014/main" id="{61504709-098C-E4F8-4B6E-5EBBA43EEEB8}"/>
               </a:ext>
             </a:extLst>
           </p:cNvPr>
@@ -2699,7 +2699,7 @@
           <p:cNvPr id="7" name="灯片编号占位符 6">
             <a:extLst>
               <a:ext uri="{FF2B5EF4-FFF2-40B4-BE49-F238E27FC236}">
-                <a16:creationId xmlns:a16="http://schemas.microsoft.com/office/drawing/2014/main" id="{26692F46-8153-27DA-CF41-84485AC2AE97}"/>
+                <a16:creationId xmlns:a16="http://schemas.microsoft.com/office/drawing/2014/main" id="{56410B6E-FFB9-B271-A439-3A56ABE5E01F}"/>
               </a:ext>
             </a:extLst>
           </p:cNvPr>
@@ -2715,7 +2715,7 @@
           <a:bodyPr/>
           <a:lstStyle/>
           <a:p>
-            <a:fld id="{968CA614-0AFC-417B-B74E-0D1FABC61EDC}" type="slidenum">
+            <a:fld id="{9D884E56-D5DD-4192-B004-7AFD6406BE84}" type="slidenum">
               <a:rPr lang="zh-CN" altLang="en-US" smtClean="0"/>
               <a:t>‹#›</a:t>
             </a:fld>
@@ -2726,7 +2726,7 @@
     </p:spTree>
     <p:extLst>
       <p:ext uri="{BB962C8B-B14F-4D97-AF65-F5344CB8AC3E}">
-        <p14:creationId xmlns:p14="http://schemas.microsoft.com/office/powerpoint/2010/main" val="62742819"/>
+        <p14:creationId xmlns:p14="http://schemas.microsoft.com/office/powerpoint/2010/main" val="315951837"/>
       </p:ext>
     </p:extLst>
   </p:cSld>
@@ -2763,7 +2763,7 @@
           <p:cNvPr id="2" name="标题占位符 1">
             <a:extLst>
               <a:ext uri="{FF2B5EF4-FFF2-40B4-BE49-F238E27FC236}">
-                <a16:creationId xmlns:a16="http://schemas.microsoft.com/office/drawing/2014/main" id="{F3F9CDDE-CC5F-D378-A350-00CC426301C6}"/>
+                <a16:creationId xmlns:a16="http://schemas.microsoft.com/office/drawing/2014/main" id="{FF031BC4-EE2C-3241-D289-CB2EA04F5F59}"/>
               </a:ext>
             </a:extLst>
           </p:cNvPr>
@@ -2801,7 +2801,7 @@
           <p:cNvPr id="3" name="文本占位符 2">
             <a:extLst>
               <a:ext uri="{FF2B5EF4-FFF2-40B4-BE49-F238E27FC236}">
-                <a16:creationId xmlns:a16="http://schemas.microsoft.com/office/drawing/2014/main" id="{0443EBA2-66CE-B454-49AC-605240626DA1}"/>
+                <a16:creationId xmlns:a16="http://schemas.microsoft.com/office/drawing/2014/main" id="{2819CD87-99DF-6B19-51D6-A84F18A10477}"/>
               </a:ext>
             </a:extLst>
           </p:cNvPr>
@@ -2868,7 +2868,7 @@
           <p:cNvPr id="4" name="日期占位符 3">
             <a:extLst>
               <a:ext uri="{FF2B5EF4-FFF2-40B4-BE49-F238E27FC236}">
-                <a16:creationId xmlns:a16="http://schemas.microsoft.com/office/drawing/2014/main" id="{D97196B4-BB7A-F5F6-D0F1-D80366C4CD10}"/>
+                <a16:creationId xmlns:a16="http://schemas.microsoft.com/office/drawing/2014/main" id="{03D4C915-B5D8-1A7B-D072-C85E6FE4109C}"/>
               </a:ext>
             </a:extLst>
           </p:cNvPr>
@@ -2902,7 +2902,7 @@
             </a:lvl1pPr>
           </a:lstStyle>
           <a:p>
-            <a:fld id="{036C25D2-1F29-4E24-A383-134F92A0216E}" type="datetimeFigureOut">
+            <a:fld id="{5B3BAC58-4B7F-46F7-841B-B5AF33EE29C4}" type="datetimeFigureOut">
               <a:rPr lang="zh-CN" altLang="en-US" smtClean="0"/>
               <a:t>2024/3/10</a:t>
             </a:fld>
@@ -2915,7 +2915,7 @@
           <p:cNvPr id="5" name="页脚占位符 4">
             <a:extLst>
               <a:ext uri="{FF2B5EF4-FFF2-40B4-BE49-F238E27FC236}">
-                <a16:creationId xmlns:a16="http://schemas.microsoft.com/office/drawing/2014/main" id="{9842B623-554E-9D08-4B94-1FE408EB43CC}"/>
+                <a16:creationId xmlns:a16="http://schemas.microsoft.com/office/drawing/2014/main" id="{8DC53656-8D4A-5B89-11A3-0D0DFD8E3151}"/>
               </a:ext>
             </a:extLst>
           </p:cNvPr>
@@ -2958,7 +2958,7 @@
           <p:cNvPr id="6" name="灯片编号占位符 5">
             <a:extLst>
               <a:ext uri="{FF2B5EF4-FFF2-40B4-BE49-F238E27FC236}">
-                <a16:creationId xmlns:a16="http://schemas.microsoft.com/office/drawing/2014/main" id="{ED846967-D4FF-9921-FBCC-2EDF6A195417}"/>
+                <a16:creationId xmlns:a16="http://schemas.microsoft.com/office/drawing/2014/main" id="{18C16EDE-9A52-F36E-0215-AB3761537EC4}"/>
               </a:ext>
             </a:extLst>
           </p:cNvPr>
@@ -2992,7 +2992,7 @@
             </a:lvl1pPr>
           </a:lstStyle>
           <a:p>
-            <a:fld id="{968CA614-0AFC-417B-B74E-0D1FABC61EDC}" type="slidenum">
+            <a:fld id="{9D884E56-D5DD-4192-B004-7AFD6406BE84}" type="slidenum">
               <a:rPr lang="zh-CN" altLang="en-US" smtClean="0"/>
               <a:t>‹#›</a:t>
             </a:fld>
@@ -3003,7 +3003,7 @@
     </p:spTree>
     <p:extLst>
       <p:ext uri="{BB962C8B-B14F-4D97-AF65-F5344CB8AC3E}">
-        <p14:creationId xmlns:p14="http://schemas.microsoft.com/office/powerpoint/2010/main" val="2087479313"/>
+        <p14:creationId xmlns:p14="http://schemas.microsoft.com/office/powerpoint/2010/main" val="724021287"/>
       </p:ext>
     </p:extLst>
   </p:cSld>
@@ -3323,7 +3323,7 @@
       </p:grpSpPr>
       <p:pic>
         <p:nvPicPr>
-          <p:cNvPr id="1216514" name="Picture 2" descr="1187"/>
+          <p:cNvPr id="1218562" name="Picture 2" descr="1189"/>
           <p:cNvPicPr>
             <a:picLocks noChangeAspect="1" noChangeArrowheads="1"/>
           </p:cNvPicPr>
@@ -3345,7 +3345,7 @@
         <p:spPr bwMode="auto">
           <a:xfrm>
             <a:off x="1524000" y="0"/>
-            <a:ext cx="9144000" cy="6789738"/>
+            <a:ext cx="9144000" cy="4941888"/>
           </a:xfrm>
           <a:prstGeom prst="rect">
             <a:avLst/>
